--- a/Calendario2024/Ejercicios/E2_VLAN_2024/Ejer2_VLANs_solucion.pptx
+++ b/Calendario2024/Ejercicios/E2_VLAN_2024/Ejer2_VLANs_solucion.pptx
@@ -1187,7 +1187,7 @@
           <a:p>
             <a:fld id="{1D8BD707-D9CF-40AE-B4C6-C98DA3205C09}" type="datetimeFigureOut">
               <a:rPr lang="en-US"/>
-              <a:t>2/7/2024</a:t>
+              <a:t>4/2/2024</a:t>
             </a:fld>
             <a:endParaRPr lang="en-US" dirty="0"/>
           </a:p>
@@ -1364,7 +1364,7 @@
           <a:p>
             <a:fld id="{1D8BD707-D9CF-40AE-B4C6-C98DA3205C09}" type="datetimeFigureOut">
               <a:rPr lang="en-US"/>
-              <a:t>2/7/2024</a:t>
+              <a:t>4/2/2024</a:t>
             </a:fld>
             <a:endParaRPr lang="en-US" dirty="0"/>
           </a:p>
@@ -1578,7 +1578,7 @@
           <a:p>
             <a:fld id="{1D8BD707-D9CF-40AE-B4C6-C98DA3205C09}" type="datetimeFigureOut">
               <a:rPr lang="en-US"/>
-              <a:t>2/7/2024</a:t>
+              <a:t>4/2/2024</a:t>
             </a:fld>
             <a:endParaRPr lang="en-US" dirty="0"/>
           </a:p>
@@ -1726,7 +1726,7 @@
           <a:p>
             <a:fld id="{1D8BD707-D9CF-40AE-B4C6-C98DA3205C09}" type="datetimeFigureOut">
               <a:rPr lang="en-US"/>
-              <a:t>2/7/2024</a:t>
+              <a:t>4/2/2024</a:t>
             </a:fld>
             <a:endParaRPr lang="en-US" dirty="0"/>
           </a:p>
@@ -1882,7 +1882,7 @@
           <a:p>
             <a:fld id="{1D8BD707-D9CF-40AE-B4C6-C98DA3205C09}" type="datetimeFigureOut">
               <a:rPr lang="en-US"/>
-              <a:t>2/7/2024</a:t>
+              <a:t>4/2/2024</a:t>
             </a:fld>
             <a:endParaRPr lang="en-US" dirty="0"/>
           </a:p>
@@ -1967,7 +1967,7 @@
           <a:p>
             <a:fld id="{5E75A0DC-66C6-4CEC-A5EB-F8C97CEC3796}" type="datetimeFigureOut">
               <a:rPr lang="es-MX" smtClean="0"/>
-              <a:t>07/02/2024</a:t>
+              <a:t>02/04/2024</a:t>
             </a:fld>
             <a:endParaRPr lang="es-MX" dirty="0"/>
           </a:p>
@@ -2224,7 +2224,7 @@
           <a:p>
             <a:fld id="{5E75A0DC-66C6-4CEC-A5EB-F8C97CEC3796}" type="datetimeFigureOut">
               <a:rPr lang="es-MX" smtClean="0"/>
-              <a:t>07/02/2024</a:t>
+              <a:t>02/04/2024</a:t>
             </a:fld>
             <a:endParaRPr lang="es-MX" dirty="0"/>
           </a:p>
@@ -2474,7 +2474,7 @@
           <a:p>
             <a:fld id="{1D8BD707-D9CF-40AE-B4C6-C98DA3205C09}" type="datetimeFigureOut">
               <a:rPr lang="en-US"/>
-              <a:t>2/7/2024</a:t>
+              <a:t>4/2/2024</a:t>
             </a:fld>
             <a:endParaRPr lang="en-US" dirty="0"/>
           </a:p>
@@ -6945,74 +6945,88 @@
               <a:t> </a:t>
             </a:r>
             <a:r>
+              <a:rPr sz="1600" spc="-5" dirty="0" err="1">
+                <a:latin typeface="Arial" panose="020B0604020202020204" pitchFamily="34" charset="0"/>
+                <a:cs typeface="Arial" panose="020B0604020202020204" pitchFamily="34" charset="0"/>
+              </a:rPr>
+              <a:t>utili</a:t>
+            </a:r>
+            <a:r>
+              <a:rPr sz="1600" spc="-30" dirty="0" err="1">
+                <a:latin typeface="Arial" panose="020B0604020202020204" pitchFamily="34" charset="0"/>
+                <a:cs typeface="Arial" panose="020B0604020202020204" pitchFamily="34" charset="0"/>
+              </a:rPr>
+              <a:t>z</a:t>
+            </a:r>
+            <a:r>
+              <a:rPr sz="1600" spc="-10" dirty="0" err="1">
+                <a:latin typeface="Arial" panose="020B0604020202020204" pitchFamily="34" charset="0"/>
+                <a:cs typeface="Arial" panose="020B0604020202020204" pitchFamily="34" charset="0"/>
+              </a:rPr>
+              <a:t>ar</a:t>
+            </a:r>
+            <a:r>
+              <a:rPr sz="1600" spc="-10" dirty="0">
+                <a:latin typeface="Arial" panose="020B0604020202020204" pitchFamily="34" charset="0"/>
+                <a:cs typeface="Arial" panose="020B0604020202020204" pitchFamily="34" charset="0"/>
+              </a:rPr>
+              <a:t> </a:t>
+            </a:r>
+            <a:r>
+              <a:rPr lang="es-MX" sz="1600" spc="-10" dirty="0">
+                <a:latin typeface="Arial" panose="020B0604020202020204" pitchFamily="34" charset="0"/>
+                <a:cs typeface="Arial" panose="020B0604020202020204" pitchFamily="34" charset="0"/>
+              </a:rPr>
+              <a:t>cuatro</a:t>
+            </a:r>
+            <a:r>
               <a:rPr sz="1600" spc="-5" dirty="0">
                 <a:latin typeface="Arial" panose="020B0604020202020204" pitchFamily="34" charset="0"/>
                 <a:cs typeface="Arial" panose="020B0604020202020204" pitchFamily="34" charset="0"/>
               </a:rPr>
-              <a:t>utili</a:t>
-            </a:r>
-            <a:r>
-              <a:rPr sz="1600" spc="-30" dirty="0">
-                <a:latin typeface="Arial" panose="020B0604020202020204" pitchFamily="34" charset="0"/>
-                <a:cs typeface="Arial" panose="020B0604020202020204" pitchFamily="34" charset="0"/>
-              </a:rPr>
-              <a:t>z</a:t>
-            </a:r>
-            <a:r>
-              <a:rPr sz="1600" spc="-10" dirty="0">
-                <a:latin typeface="Arial" panose="020B0604020202020204" pitchFamily="34" charset="0"/>
-                <a:cs typeface="Arial" panose="020B0604020202020204" pitchFamily="34" charset="0"/>
-              </a:rPr>
-              <a:t>ar t</a:t>
-            </a:r>
-            <a:r>
-              <a:rPr sz="1600" spc="-45" dirty="0">
-                <a:latin typeface="Arial" panose="020B0604020202020204" pitchFamily="34" charset="0"/>
-                <a:cs typeface="Arial" panose="020B0604020202020204" pitchFamily="34" charset="0"/>
-              </a:rPr>
-              <a:t>r</a:t>
-            </a:r>
-            <a:r>
-              <a:rPr sz="1600" spc="-15" dirty="0">
-                <a:latin typeface="Arial" panose="020B0604020202020204" pitchFamily="34" charset="0"/>
-                <a:cs typeface="Arial" panose="020B0604020202020204" pitchFamily="34" charset="0"/>
-              </a:rPr>
-              <a:t>es</a:t>
+              <a:t> </a:t>
+            </a:r>
+            <a:r>
+              <a:rPr sz="1600" b="1" spc="-20" dirty="0">
+                <a:latin typeface="Arial" panose="020B0604020202020204" pitchFamily="34" charset="0"/>
+                <a:cs typeface="Arial" panose="020B0604020202020204" pitchFamily="34" charset="0"/>
+              </a:rPr>
+              <a:t>VLAN</a:t>
+            </a:r>
+            <a:r>
+              <a:rPr sz="1600" b="1" spc="-15" dirty="0">
+                <a:latin typeface="Arial" panose="020B0604020202020204" pitchFamily="34" charset="0"/>
+                <a:cs typeface="Arial" panose="020B0604020202020204" pitchFamily="34" charset="0"/>
+              </a:rPr>
+              <a:t>S</a:t>
+            </a:r>
+            <a:r>
+              <a:rPr sz="1600" b="1" spc="-5" dirty="0">
+                <a:latin typeface="Arial" panose="020B0604020202020204" pitchFamily="34" charset="0"/>
+                <a:cs typeface="Arial" panose="020B0604020202020204" pitchFamily="34" charset="0"/>
+              </a:rPr>
+              <a:t> </a:t>
             </a:r>
             <a:r>
               <a:rPr sz="1600" spc="-5" dirty="0">
                 <a:latin typeface="Arial" panose="020B0604020202020204" pitchFamily="34" charset="0"/>
                 <a:cs typeface="Arial" panose="020B0604020202020204" pitchFamily="34" charset="0"/>
               </a:rPr>
-              <a:t> </a:t>
-            </a:r>
-            <a:r>
-              <a:rPr sz="1600" b="1" spc="-20" dirty="0">
-                <a:latin typeface="Arial" panose="020B0604020202020204" pitchFamily="34" charset="0"/>
-                <a:cs typeface="Arial" panose="020B0604020202020204" pitchFamily="34" charset="0"/>
-              </a:rPr>
-              <a:t>VLAN</a:t>
-            </a:r>
-            <a:r>
-              <a:rPr sz="1600" b="1" spc="-15" dirty="0">
-                <a:latin typeface="Arial" panose="020B0604020202020204" pitchFamily="34" charset="0"/>
-                <a:cs typeface="Arial" panose="020B0604020202020204" pitchFamily="34" charset="0"/>
-              </a:rPr>
-              <a:t>S</a:t>
-            </a:r>
-            <a:r>
-              <a:rPr sz="1600" b="1" spc="-5" dirty="0">
-                <a:latin typeface="Arial" panose="020B0604020202020204" pitchFamily="34" charset="0"/>
-                <a:cs typeface="Arial" panose="020B0604020202020204" pitchFamily="34" charset="0"/>
-              </a:rPr>
-              <a:t> </a:t>
+              <a:t>(</a:t>
+            </a:r>
+            <a:r>
+              <a:rPr lang="es-MX" sz="1600" spc="-5" dirty="0">
+                <a:latin typeface="Arial" panose="020B0604020202020204" pitchFamily="34" charset="0"/>
+                <a:cs typeface="Arial" panose="020B0604020202020204" pitchFamily="34" charset="0"/>
+              </a:rPr>
+              <a:t>Native, </a:t>
             </a:r>
             <a:r>
               <a:rPr sz="1600" spc="-5" dirty="0">
                 <a:latin typeface="Arial" panose="020B0604020202020204" pitchFamily="34" charset="0"/>
                 <a:cs typeface="Arial" panose="020B0604020202020204" pitchFamily="34" charset="0"/>
               </a:rPr>
-              <a:t>(M</a:t>
+              <a:t>M</a:t>
             </a:r>
             <a:r>
               <a:rPr sz="1600" spc="5" dirty="0">

--- a/Calendario2024/Ejercicios/E2_VLAN_2024/Ejer2_VLANs_solucion.pptx
+++ b/Calendario2024/Ejercicios/E2_VLAN_2024/Ejer2_VLANs_solucion.pptx
@@ -13345,7 +13345,7 @@
           <p:nvPr>
             <p:extLst>
               <p:ext uri="{D42A27DB-BD31-4B8C-83A1-F6EECF244321}">
-                <p14:modId xmlns:p14="http://schemas.microsoft.com/office/powerpoint/2010/main" val="1409497365"/>
+                <p14:modId xmlns:p14="http://schemas.microsoft.com/office/powerpoint/2010/main" val="1054180867"/>
               </p:ext>
             </p:extLst>
           </p:nvPr>
@@ -13928,7 +13928,7 @@
                         </a:lnSpc>
                       </a:pPr>
                       <a:r>
-                        <a:rPr lang="es-MX" sz="1400" b="0" spc="-5" dirty="0">
+                        <a:rPr lang="es-MX" sz="1400" b="0" spc="-5">
                           <a:solidFill>
                             <a:schemeClr val="tx1"/>
                           </a:solidFill>
@@ -13936,7 +13936,7 @@
                           <a:latin typeface="Arial" panose="020B0604020202020204" pitchFamily="34" charset="0"/>
                           <a:cs typeface="Arial" panose="020B0604020202020204" pitchFamily="34" charset="0"/>
                         </a:rPr>
-                        <a:t>F0/1-6</a:t>
+                        <a:t>F0/2-6</a:t>
                       </a:r>
                       <a:endParaRPr lang="es-MX" sz="1400" b="0" dirty="0">
                         <a:solidFill>
